--- a/Resources/presentation/Jarvis Utility App Presentation.pptx
+++ b/Resources/presentation/Jarvis Utility App Presentation.pptx
@@ -5,8 +5,10 @@
     <p:sldMasterId id="2147483648" r:id="rId1"/>
   </p:sldMasterIdLst>
   <p:sldIdLst>
-    <p:sldId id="257" r:id="rId2"/>
-    <p:sldId id="256" r:id="rId3"/>
+    <p:sldId id="258" r:id="rId2"/>
+    <p:sldId id="257" r:id="rId3"/>
+    <p:sldId id="256" r:id="rId4"/>
+    <p:sldId id="259" r:id="rId5"/>
   </p:sldIdLst>
   <p:sldSz cx="9144000" cy="6858000" type="screen4x3"/>
   <p:notesSz cx="6858000" cy="9144000"/>
@@ -3076,6 +3078,337 @@
       </p:grpSpPr>
       <p:pic>
         <p:nvPicPr>
+          <p:cNvPr id="5" name="Picture 4" descr="Bullodg_cropped.jpg"/>
+          <p:cNvPicPr>
+            <a:picLocks noChangeAspect="1"/>
+          </p:cNvPicPr>
+          <p:nvPr/>
+        </p:nvPicPr>
+        <p:blipFill>
+          <a:blip r:embed="rId4" cstate="print"/>
+          <a:srcRect/>
+          <a:stretch>
+            <a:fillRect/>
+          </a:stretch>
+        </p:blipFill>
+        <p:spPr>
+          <a:xfrm>
+            <a:off x="18" y="4267200"/>
+            <a:ext cx="2630090" cy="2590800"/>
+          </a:xfrm>
+          <a:prstGeom prst="rect">
+            <a:avLst/>
+          </a:prstGeom>
+        </p:spPr>
+      </p:pic>
+      <p:pic>
+        <p:nvPicPr>
+          <p:cNvPr id="15" name="Picture 14" descr="device-2015-08-31-145907.png"/>
+          <p:cNvPicPr>
+            <a:picLocks noChangeAspect="1"/>
+          </p:cNvPicPr>
+          <p:nvPr/>
+        </p:nvPicPr>
+        <p:blipFill>
+          <a:blip r:embed="rId5" cstate="print"/>
+          <a:stretch>
+            <a:fillRect/>
+          </a:stretch>
+        </p:blipFill>
+        <p:spPr>
+          <a:xfrm>
+            <a:off x="76200" y="76200"/>
+            <a:ext cx="1737360" cy="2895600"/>
+          </a:xfrm>
+          <a:prstGeom prst="rect">
+            <a:avLst/>
+          </a:prstGeom>
+        </p:spPr>
+      </p:pic>
+      <p:pic>
+        <p:nvPicPr>
+          <p:cNvPr id="16" name="Picture 15" descr="device-2015-08-31-163432.png"/>
+          <p:cNvPicPr>
+            <a:picLocks noChangeAspect="1"/>
+          </p:cNvPicPr>
+          <p:nvPr/>
+        </p:nvPicPr>
+        <p:blipFill>
+          <a:blip r:embed="rId6" cstate="print"/>
+          <a:stretch>
+            <a:fillRect/>
+          </a:stretch>
+        </p:blipFill>
+        <p:spPr>
+          <a:xfrm>
+            <a:off x="1905000" y="76200"/>
+            <a:ext cx="1737360" cy="2895600"/>
+          </a:xfrm>
+          <a:prstGeom prst="rect">
+            <a:avLst/>
+          </a:prstGeom>
+        </p:spPr>
+      </p:pic>
+      <p:pic>
+        <p:nvPicPr>
+          <p:cNvPr id="17" name="Picture 16" descr="device-2015-08-31-164241.png"/>
+          <p:cNvPicPr>
+            <a:picLocks noChangeAspect="1"/>
+          </p:cNvPicPr>
+          <p:nvPr/>
+        </p:nvPicPr>
+        <p:blipFill>
+          <a:blip r:embed="rId7" cstate="print"/>
+          <a:stretch>
+            <a:fillRect/>
+          </a:stretch>
+        </p:blipFill>
+        <p:spPr>
+          <a:xfrm>
+            <a:off x="5562600" y="76200"/>
+            <a:ext cx="1737360" cy="2895600"/>
+          </a:xfrm>
+          <a:prstGeom prst="rect">
+            <a:avLst/>
+          </a:prstGeom>
+        </p:spPr>
+      </p:pic>
+      <p:pic>
+        <p:nvPicPr>
+          <p:cNvPr id="18" name="Picture 17" descr="device-2015-08-31-164350.png"/>
+          <p:cNvPicPr>
+            <a:picLocks noChangeAspect="1"/>
+          </p:cNvPicPr>
+          <p:nvPr/>
+        </p:nvPicPr>
+        <p:blipFill>
+          <a:blip r:embed="rId8" cstate="print"/>
+          <a:stretch>
+            <a:fillRect/>
+          </a:stretch>
+        </p:blipFill>
+        <p:spPr>
+          <a:xfrm>
+            <a:off x="3733800" y="76200"/>
+            <a:ext cx="1737360" cy="2895600"/>
+          </a:xfrm>
+          <a:prstGeom prst="rect">
+            <a:avLst/>
+          </a:prstGeom>
+        </p:spPr>
+      </p:pic>
+      <p:pic>
+        <p:nvPicPr>
+          <p:cNvPr id="19" name="Picture 18" descr="device-2015-08-31-165358.png"/>
+          <p:cNvPicPr>
+            <a:picLocks noChangeAspect="1"/>
+          </p:cNvPicPr>
+          <p:nvPr/>
+        </p:nvPicPr>
+        <p:blipFill>
+          <a:blip r:embed="rId9" cstate="print"/>
+          <a:stretch>
+            <a:fillRect/>
+          </a:stretch>
+        </p:blipFill>
+        <p:spPr>
+          <a:xfrm>
+            <a:off x="7406640" y="76200"/>
+            <a:ext cx="1737360" cy="2895600"/>
+          </a:xfrm>
+          <a:prstGeom prst="rect">
+            <a:avLst/>
+          </a:prstGeom>
+        </p:spPr>
+      </p:pic>
+      <p:pic>
+        <p:nvPicPr>
+          <p:cNvPr id="4" name="Picture 3" descr="primaryBackground.png"/>
+          <p:cNvPicPr>
+            <a:picLocks noChangeAspect="1"/>
+          </p:cNvPicPr>
+          <p:nvPr/>
+        </p:nvPicPr>
+        <p:blipFill>
+          <a:blip r:embed="rId10" cstate="print"/>
+          <a:stretch>
+            <a:fillRect/>
+          </a:stretch>
+        </p:blipFill>
+        <p:spPr>
+          <a:xfrm>
+            <a:off x="0" y="2743200"/>
+            <a:ext cx="9144000" cy="1524000"/>
+          </a:xfrm>
+          <a:prstGeom prst="rect">
+            <a:avLst/>
+          </a:prstGeom>
+        </p:spPr>
+      </p:pic>
+      <p:sp>
+        <p:nvSpPr>
+          <p:cNvPr id="2" name="Title 1"/>
+          <p:cNvSpPr>
+            <a:spLocks noGrp="1"/>
+          </p:cNvSpPr>
+          <p:nvPr>
+            <p:ph type="ctrTitle"/>
+          </p:nvPr>
+        </p:nvSpPr>
+        <p:spPr>
+          <a:xfrm>
+            <a:off x="0" y="2743200"/>
+            <a:ext cx="9144000" cy="1523999"/>
+          </a:xfrm>
+        </p:spPr>
+        <p:txBody>
+          <a:bodyPr>
+            <a:noAutofit/>
+          </a:bodyPr>
+          <a:lstStyle/>
+          <a:p>
+            <a:r>
+              <a:rPr lang="en-CA" sz="9600" dirty="0" smtClean="0">
+                <a:solidFill>
+                  <a:schemeClr val="bg1"/>
+                </a:solidFill>
+                <a:latin typeface="Capsuula" pitchFamily="2" charset="0"/>
+              </a:rPr>
+              <a:t>Jarvis Utility App</a:t>
+            </a:r>
+            <a:endParaRPr lang="en-CA" sz="9600" dirty="0">
+              <a:solidFill>
+                <a:schemeClr val="bg1"/>
+              </a:solidFill>
+              <a:latin typeface="Capsuula" pitchFamily="2" charset="0"/>
+            </a:endParaRPr>
+          </a:p>
+        </p:txBody>
+      </p:sp>
+      <p:pic>
+        <p:nvPicPr>
+          <p:cNvPr id="20" name="Picture 19" descr="Android_robot.svg.png"/>
+          <p:cNvPicPr>
+            <a:picLocks noChangeAspect="1"/>
+          </p:cNvPicPr>
+          <p:nvPr/>
+        </p:nvPicPr>
+        <p:blipFill>
+          <a:blip r:embed="rId11" cstate="print"/>
+          <a:stretch>
+            <a:fillRect/>
+          </a:stretch>
+        </p:blipFill>
+        <p:spPr>
+          <a:xfrm>
+            <a:off x="4724400" y="4531738"/>
+            <a:ext cx="1981200" cy="2326262"/>
+          </a:xfrm>
+          <a:prstGeom prst="rect">
+            <a:avLst/>
+          </a:prstGeom>
+        </p:spPr>
+      </p:pic>
+      <p:pic>
+        <p:nvPicPr>
+          <p:cNvPr id="21" name="Picture 20" descr="Apple_logo_black.svg.png"/>
+          <p:cNvPicPr>
+            <a:picLocks noChangeAspect="1"/>
+          </p:cNvPicPr>
+          <p:nvPr/>
+        </p:nvPicPr>
+        <p:blipFill>
+          <a:blip r:embed="rId12" cstate="print"/>
+          <a:stretch>
+            <a:fillRect/>
+          </a:stretch>
+        </p:blipFill>
+        <p:spPr>
+          <a:xfrm>
+            <a:off x="2514600" y="4419600"/>
+            <a:ext cx="2438400" cy="2438400"/>
+          </a:xfrm>
+          <a:prstGeom prst="rect">
+            <a:avLst/>
+          </a:prstGeom>
+        </p:spPr>
+      </p:pic>
+      <p:pic>
+        <p:nvPicPr>
+          <p:cNvPr id="24" name="Picture 23" descr="minerva_shield_colour2.png"/>
+          <p:cNvPicPr>
+            <a:picLocks noChangeAspect="1"/>
+          </p:cNvPicPr>
+          <p:nvPr/>
+        </p:nvPicPr>
+        <p:blipFill>
+          <a:blip r:embed="rId13" cstate="print"/>
+          <a:stretch>
+            <a:fillRect/>
+          </a:stretch>
+        </p:blipFill>
+        <p:spPr>
+          <a:xfrm>
+            <a:off x="6629400" y="4267200"/>
+            <a:ext cx="2590800" cy="2590800"/>
+          </a:xfrm>
+          <a:prstGeom prst="rect">
+            <a:avLst/>
+          </a:prstGeom>
+        </p:spPr>
+      </p:pic>
+    </p:spTree>
+    <p:custDataLst>
+      <p:tags r:id="rId1"/>
+    </p:custDataLst>
+  </p:cSld>
+  <p:clrMapOvr>
+    <a:masterClrMapping/>
+  </p:clrMapOvr>
+  <p:transition/>
+  <p:timing>
+    <p:tnLst>
+      <p:par>
+        <p:cTn id="1" dur="indefinite" restart="never" nodeType="tmRoot"/>
+      </p:par>
+    </p:tnLst>
+  </p:timing>
+</p:sld>
+</file>
+
+<file path=ppt/slides/slide2.xml><?xml version="1.0" encoding="utf-8"?>
+<p:sld xmlns:a="http://schemas.openxmlformats.org/drawingml/2006/main" xmlns:r="http://schemas.openxmlformats.org/officeDocument/2006/relationships" xmlns:p="http://schemas.openxmlformats.org/presentationml/2006/main">
+  <p:cSld>
+    <p:bg>
+      <p:bgPr>
+        <a:blipFill dpi="0" rotWithShape="1">
+          <a:blip r:embed="rId3" cstate="print">
+            <a:lum/>
+          </a:blip>
+          <a:srcRect/>
+          <a:stretch>
+            <a:fillRect l="-2000" r="-2000"/>
+          </a:stretch>
+        </a:blipFill>
+        <a:effectLst/>
+      </p:bgPr>
+    </p:bg>
+    <p:spTree>
+      <p:nvGrpSpPr>
+        <p:cNvPr id="1" name=""/>
+        <p:cNvGrpSpPr/>
+        <p:nvPr/>
+      </p:nvGrpSpPr>
+      <p:grpSpPr>
+        <a:xfrm>
+          <a:off x="0" y="0"/>
+          <a:ext cx="0" cy="0"/>
+          <a:chOff x="0" y="0"/>
+          <a:chExt cx="0" cy="0"/>
+        </a:xfrm>
+      </p:grpSpPr>
+      <p:pic>
+        <p:nvPicPr>
           <p:cNvPr id="4" name="Picture 3" descr="primaryBackground.png"/>
           <p:cNvPicPr>
             <a:picLocks noChangeAspect="1"/>
@@ -3192,25 +3525,7 @@
                 </a:solidFill>
                 <a:latin typeface="Capsuula" pitchFamily="2" charset="0"/>
               </a:rPr>
-              <a:t>Created by the </a:t>
-            </a:r>
-            <a:r>
-              <a:rPr lang="en-CA" sz="5400" dirty="0" smtClean="0">
-                <a:solidFill>
-                  <a:schemeClr val="bg1"/>
-                </a:solidFill>
-                <a:latin typeface="Capsuula" pitchFamily="2" charset="0"/>
-              </a:rPr>
-              <a:t>J</a:t>
-            </a:r>
-            <a:r>
-              <a:rPr lang="en-CA" sz="5400" dirty="0" smtClean="0">
-                <a:solidFill>
-                  <a:schemeClr val="bg1"/>
-                </a:solidFill>
-                <a:latin typeface="Capsuula" pitchFamily="2" charset="0"/>
-              </a:rPr>
-              <a:t>arvis App Team</a:t>
+              <a:t>Created by the Jarvis App Team</a:t>
             </a:r>
           </a:p>
         </p:txBody>
@@ -3315,148 +3630,6 @@
           </a:p>
           <a:p>
             <a:endParaRPr lang="en-CA" sz="2000" dirty="0" smtClean="0">
-              <a:solidFill>
-                <a:schemeClr val="bg1"/>
-              </a:solidFill>
-              <a:latin typeface="Capsuula" pitchFamily="2" charset="0"/>
-            </a:endParaRPr>
-          </a:p>
-        </p:txBody>
-      </p:sp>
-      <p:sp>
-        <p:nvSpPr>
-          <p:cNvPr id="8" name="TextBox 7"/>
-          <p:cNvSpPr txBox="1"/>
-          <p:nvPr/>
-        </p:nvSpPr>
-        <p:spPr>
-          <a:xfrm>
-            <a:off x="9144000" y="1625798"/>
-            <a:ext cx="7848600" cy="5232202"/>
-          </a:xfrm>
-          <a:prstGeom prst="rect">
-            <a:avLst/>
-          </a:prstGeom>
-          <a:noFill/>
-        </p:spPr>
-        <p:txBody>
-          <a:bodyPr wrap="square" rtlCol="0">
-            <a:spAutoFit/>
-          </a:bodyPr>
-          <a:lstStyle/>
-          <a:p>
-            <a:r>
-              <a:rPr lang="en-CA" sz="5400" dirty="0" smtClean="0">
-                <a:solidFill>
-                  <a:schemeClr val="bg1"/>
-                </a:solidFill>
-                <a:latin typeface="Capsuula" pitchFamily="2" charset="0"/>
-              </a:rPr>
-              <a:t>Lets you –</a:t>
-            </a:r>
-          </a:p>
-          <a:p>
-            <a:pPr>
-              <a:lnSpc>
-                <a:spcPct val="250000"/>
-              </a:lnSpc>
-              <a:buClr>
-                <a:schemeClr val="bg1"/>
-              </a:buClr>
-              <a:buFont typeface="Arial" pitchFamily="34" charset="0"/>
-              <a:buChar char="•"/>
-            </a:pPr>
-            <a:r>
-              <a:rPr lang="en-CA" sz="2800" dirty="0" smtClean="0">
-                <a:solidFill>
-                  <a:schemeClr val="bg1"/>
-                </a:solidFill>
-                <a:latin typeface="Capsuula" pitchFamily="2" charset="0"/>
-              </a:rPr>
-              <a:t> </a:t>
-            </a:r>
-            <a:r>
-              <a:rPr lang="en-CA" sz="2800" dirty="0" smtClean="0">
-                <a:solidFill>
-                  <a:schemeClr val="bg1"/>
-                </a:solidFill>
-                <a:latin typeface="Capsuula" pitchFamily="2" charset="0"/>
-              </a:rPr>
-              <a:t>Plan your meal</a:t>
-            </a:r>
-          </a:p>
-          <a:p>
-            <a:pPr>
-              <a:lnSpc>
-                <a:spcPct val="250000"/>
-              </a:lnSpc>
-              <a:buClr>
-                <a:schemeClr val="bg1"/>
-              </a:buClr>
-              <a:buFont typeface="Arial" pitchFamily="34" charset="0"/>
-              <a:buChar char="•"/>
-            </a:pPr>
-            <a:r>
-              <a:rPr lang="en-CA" sz="2800" dirty="0" smtClean="0">
-                <a:solidFill>
-                  <a:schemeClr val="bg1"/>
-                </a:solidFill>
-                <a:latin typeface="Capsuula" pitchFamily="2" charset="0"/>
-              </a:rPr>
-              <a:t> Stay connected</a:t>
-            </a:r>
-          </a:p>
-          <a:p>
-            <a:pPr>
-              <a:lnSpc>
-                <a:spcPct val="250000"/>
-              </a:lnSpc>
-              <a:buClr>
-                <a:schemeClr val="bg1"/>
-              </a:buClr>
-              <a:buFont typeface="Arial" pitchFamily="34" charset="0"/>
-              <a:buChar char="•"/>
-            </a:pPr>
-            <a:r>
-              <a:rPr lang="en-CA" sz="2800" dirty="0" smtClean="0">
-                <a:solidFill>
-                  <a:schemeClr val="bg1"/>
-                </a:solidFill>
-                <a:latin typeface="Capsuula" pitchFamily="2" charset="0"/>
-              </a:rPr>
-              <a:t> Check the periods and schedule day of any date</a:t>
-            </a:r>
-          </a:p>
-          <a:p>
-            <a:pPr>
-              <a:lnSpc>
-                <a:spcPct val="250000"/>
-              </a:lnSpc>
-              <a:buClr>
-                <a:schemeClr val="bg1"/>
-              </a:buClr>
-              <a:buFont typeface="Arial" pitchFamily="34" charset="0"/>
-              <a:buChar char="•"/>
-            </a:pPr>
-            <a:r>
-              <a:rPr lang="en-CA" sz="2800" dirty="0" smtClean="0">
-                <a:solidFill>
-                  <a:schemeClr val="bg1"/>
-                </a:solidFill>
-                <a:latin typeface="Capsuula" pitchFamily="2" charset="0"/>
-              </a:rPr>
-              <a:t> </a:t>
-            </a:r>
-            <a:r>
-              <a:rPr lang="en-CA" sz="2800" dirty="0" smtClean="0">
-                <a:solidFill>
-                  <a:schemeClr val="bg1"/>
-                </a:solidFill>
-                <a:latin typeface="Capsuula" pitchFamily="2" charset="0"/>
-              </a:rPr>
-              <a:t>And, be updated with Jarvis news </a:t>
-            </a:r>
-            <a:endParaRPr lang="en-CA" sz="2800" dirty="0">
               <a:solidFill>
                 <a:schemeClr val="bg1"/>
               </a:solidFill>
@@ -3473,231 +3646,20 @@
   <p:clrMapOvr>
     <a:masterClrMapping/>
   </p:clrMapOvr>
-  <p:transition advClick="0" advTm="0"/>
+  <p:transition>
+    <p:cut thruBlk="1"/>
+  </p:transition>
   <p:timing>
     <p:tnLst>
       <p:par>
-        <p:cTn id="1" dur="indefinite" restart="never" nodeType="tmRoot">
-          <p:childTnLst>
-            <p:seq concurrent="1" nextAc="seek">
-              <p:cTn id="2" dur="indefinite" nodeType="mainSeq">
-                <p:childTnLst>
-                  <p:par>
-                    <p:cTn id="3" fill="hold">
-                      <p:stCondLst>
-                        <p:cond delay="indefinite"/>
-                      </p:stCondLst>
-                      <p:childTnLst>
-                        <p:par>
-                          <p:cTn id="4" fill="hold">
-                            <p:stCondLst>
-                              <p:cond delay="0"/>
-                            </p:stCondLst>
-                            <p:childTnLst>
-                              <p:par>
-                                <p:cTn id="5" presetID="2" presetClass="exit" presetSubtype="8" fill="hold" grpId="0" nodeType="clickEffect">
-                                  <p:stCondLst>
-                                    <p:cond delay="0"/>
-                                  </p:stCondLst>
-                                  <p:childTnLst>
-                                    <p:anim calcmode="lin" valueType="num">
-                                      <p:cBhvr additive="base">
-                                        <p:cTn id="6" dur="1500"/>
-                                        <p:tgtEl>
-                                          <p:spTgt spid="6"/>
-                                        </p:tgtEl>
-                                        <p:attrNameLst>
-                                          <p:attrName>ppt_x</p:attrName>
-                                        </p:attrNameLst>
-                                      </p:cBhvr>
-                                      <p:tavLst>
-                                        <p:tav tm="0">
-                                          <p:val>
-                                            <p:strVal val="ppt_x"/>
-                                          </p:val>
-                                        </p:tav>
-                                        <p:tav tm="100000">
-                                          <p:val>
-                                            <p:strVal val="0-ppt_w/2"/>
-                                          </p:val>
-                                        </p:tav>
-                                      </p:tavLst>
-                                    </p:anim>
-                                    <p:anim calcmode="lin" valueType="num">
-                                      <p:cBhvr additive="base">
-                                        <p:cTn id="7" dur="1500"/>
-                                        <p:tgtEl>
-                                          <p:spTgt spid="6"/>
-                                        </p:tgtEl>
-                                        <p:attrNameLst>
-                                          <p:attrName>ppt_y</p:attrName>
-                                        </p:attrNameLst>
-                                      </p:cBhvr>
-                                      <p:tavLst>
-                                        <p:tav tm="0">
-                                          <p:val>
-                                            <p:strVal val="ppt_y"/>
-                                          </p:val>
-                                        </p:tav>
-                                        <p:tav tm="100000">
-                                          <p:val>
-                                            <p:strVal val="ppt_y"/>
-                                          </p:val>
-                                        </p:tav>
-                                      </p:tavLst>
-                                    </p:anim>
-                                    <p:set>
-                                      <p:cBhvr>
-                                        <p:cTn id="8" dur="1" fill="hold">
-                                          <p:stCondLst>
-                                            <p:cond delay="1499"/>
-                                          </p:stCondLst>
-                                        </p:cTn>
-                                        <p:tgtEl>
-                                          <p:spTgt spid="6"/>
-                                        </p:tgtEl>
-                                        <p:attrNameLst>
-                                          <p:attrName>style.visibility</p:attrName>
-                                        </p:attrNameLst>
-                                      </p:cBhvr>
-                                      <p:to>
-                                        <p:strVal val="hidden"/>
-                                      </p:to>
-                                    </p:set>
-                                  </p:childTnLst>
-                                </p:cTn>
-                              </p:par>
-                              <p:par>
-                                <p:cTn id="9" presetID="2" presetClass="exit" presetSubtype="8" fill="hold" grpId="0" nodeType="withEffect">
-                                  <p:stCondLst>
-                                    <p:cond delay="0"/>
-                                  </p:stCondLst>
-                                  <p:childTnLst>
-                                    <p:anim calcmode="lin" valueType="num">
-                                      <p:cBhvr additive="base">
-                                        <p:cTn id="10" dur="1500"/>
-                                        <p:tgtEl>
-                                          <p:spTgt spid="9"/>
-                                        </p:tgtEl>
-                                        <p:attrNameLst>
-                                          <p:attrName>ppt_x</p:attrName>
-                                        </p:attrNameLst>
-                                      </p:cBhvr>
-                                      <p:tavLst>
-                                        <p:tav tm="0">
-                                          <p:val>
-                                            <p:strVal val="ppt_x"/>
-                                          </p:val>
-                                        </p:tav>
-                                        <p:tav tm="100000">
-                                          <p:val>
-                                            <p:strVal val="0-ppt_w/2"/>
-                                          </p:val>
-                                        </p:tav>
-                                      </p:tavLst>
-                                    </p:anim>
-                                    <p:anim calcmode="lin" valueType="num">
-                                      <p:cBhvr additive="base">
-                                        <p:cTn id="11" dur="1500"/>
-                                        <p:tgtEl>
-                                          <p:spTgt spid="9"/>
-                                        </p:tgtEl>
-                                        <p:attrNameLst>
-                                          <p:attrName>ppt_y</p:attrName>
-                                        </p:attrNameLst>
-                                      </p:cBhvr>
-                                      <p:tavLst>
-                                        <p:tav tm="0">
-                                          <p:val>
-                                            <p:strVal val="ppt_y"/>
-                                          </p:val>
-                                        </p:tav>
-                                        <p:tav tm="100000">
-                                          <p:val>
-                                            <p:strVal val="ppt_y"/>
-                                          </p:val>
-                                        </p:tav>
-                                      </p:tavLst>
-                                    </p:anim>
-                                    <p:set>
-                                      <p:cBhvr>
-                                        <p:cTn id="12" dur="1" fill="hold">
-                                          <p:stCondLst>
-                                            <p:cond delay="1499"/>
-                                          </p:stCondLst>
-                                        </p:cTn>
-                                        <p:tgtEl>
-                                          <p:spTgt spid="9"/>
-                                        </p:tgtEl>
-                                        <p:attrNameLst>
-                                          <p:attrName>style.visibility</p:attrName>
-                                        </p:attrNameLst>
-                                      </p:cBhvr>
-                                      <p:to>
-                                        <p:strVal val="hidden"/>
-                                      </p:to>
-                                    </p:set>
-                                  </p:childTnLst>
-                                </p:cTn>
-                              </p:par>
-                              <p:par>
-                                <p:cTn id="13" presetID="0" presetClass="path" presetSubtype="0" fill="hold" grpId="2" nodeType="withEffect">
-                                  <p:stCondLst>
-                                    <p:cond delay="0"/>
-                                  </p:stCondLst>
-                                  <p:childTnLst>
-                                    <p:animMotion origin="layout" path="M 0 0 L -0.525 0 " pathEditMode="relative" ptsTypes="AA">
-                                      <p:cBhvr>
-                                        <p:cTn id="14" dur="1500" fill="hold"/>
-                                        <p:tgtEl>
-                                          <p:spTgt spid="8"/>
-                                        </p:tgtEl>
-                                        <p:attrNameLst>
-                                          <p:attrName>ppt_x</p:attrName>
-                                          <p:attrName>ppt_y</p:attrName>
-                                        </p:attrNameLst>
-                                      </p:cBhvr>
-                                    </p:animMotion>
-                                  </p:childTnLst>
-                                </p:cTn>
-                              </p:par>
-                            </p:childTnLst>
-                          </p:cTn>
-                        </p:par>
-                      </p:childTnLst>
-                    </p:cTn>
-                  </p:par>
-                </p:childTnLst>
-              </p:cTn>
-              <p:prevCondLst>
-                <p:cond evt="onPrev" delay="0">
-                  <p:tgtEl>
-                    <p:sldTgt/>
-                  </p:tgtEl>
-                </p:cond>
-              </p:prevCondLst>
-              <p:nextCondLst>
-                <p:cond evt="onNext" delay="0">
-                  <p:tgtEl>
-                    <p:sldTgt/>
-                  </p:tgtEl>
-                </p:cond>
-              </p:nextCondLst>
-            </p:seq>
-          </p:childTnLst>
-        </p:cTn>
+        <p:cTn id="1" dur="indefinite" restart="never" nodeType="tmRoot"/>
       </p:par>
     </p:tnLst>
-    <p:bldLst>
-      <p:bldP spid="9" grpId="0"/>
-      <p:bldP spid="6" grpId="0"/>
-      <p:bldP spid="8" grpId="2"/>
-    </p:bldLst>
   </p:timing>
 </p:sld>
 </file>
 
-<file path=ppt/slides/slide2.xml><?xml version="1.0" encoding="utf-8"?>
+<file path=ppt/slides/slide3.xml><?xml version="1.0" encoding="utf-8"?>
 <p:sld xmlns:a="http://schemas.openxmlformats.org/drawingml/2006/main" xmlns:r="http://schemas.openxmlformats.org/officeDocument/2006/relationships" xmlns:p="http://schemas.openxmlformats.org/presentationml/2006/main">
   <p:cSld>
     <p:bg>
@@ -3782,7 +3744,7 @@
                 </a:solidFill>
                 <a:latin typeface="Capsuula" pitchFamily="2" charset="0"/>
               </a:rPr>
-              <a:t>Jarvis Utility App</a:t>
+              <a:t>Functions</a:t>
             </a:r>
             <a:endParaRPr lang="en-CA" sz="8000" dirty="0">
               <a:solidFill>
@@ -3846,7 +3808,34 @@
                 </a:solidFill>
                 <a:latin typeface="Capsuula" pitchFamily="2" charset="0"/>
               </a:rPr>
-              <a:t>Lets you –</a:t>
+              <a:t>Jarvis Utility App </a:t>
+            </a:r>
+            <a:r>
+              <a:rPr lang="en-CA" sz="5400" dirty="0" smtClean="0">
+                <a:solidFill>
+                  <a:schemeClr val="bg1"/>
+                </a:solidFill>
+                <a:latin typeface="Capsuula" pitchFamily="2" charset="0"/>
+              </a:rPr>
+              <a:t>l</a:t>
+            </a:r>
+            <a:r>
+              <a:rPr lang="en-CA" sz="5400" dirty="0" smtClean="0">
+                <a:solidFill>
+                  <a:schemeClr val="bg1"/>
+                </a:solidFill>
+                <a:latin typeface="Capsuula" pitchFamily="2" charset="0"/>
+              </a:rPr>
+              <a:t>ets </a:t>
+            </a:r>
+            <a:r>
+              <a:rPr lang="en-CA" sz="5400" dirty="0" smtClean="0">
+                <a:solidFill>
+                  <a:schemeClr val="bg1"/>
+                </a:solidFill>
+                <a:latin typeface="Capsuula" pitchFamily="2" charset="0"/>
+              </a:rPr>
+              <a:t>you –</a:t>
             </a:r>
           </a:p>
           <a:p>
@@ -3867,16 +3856,7 @@
                 </a:solidFill>
                 <a:latin typeface="Capsuula" pitchFamily="2" charset="0"/>
               </a:rPr>
-              <a:t> </a:t>
-            </a:r>
-            <a:r>
-              <a:rPr lang="en-CA" sz="2800" dirty="0" smtClean="0">
-                <a:solidFill>
-                  <a:schemeClr val="bg1"/>
-                </a:solidFill>
-                <a:latin typeface="Capsuula" pitchFamily="2" charset="0"/>
-              </a:rPr>
-              <a:t>Plan your meal</a:t>
+              <a:t> Plan your meal</a:t>
             </a:r>
           </a:p>
           <a:p>
@@ -3939,16 +3919,7 @@
                 </a:solidFill>
                 <a:latin typeface="Capsuula" pitchFamily="2" charset="0"/>
               </a:rPr>
-              <a:t> </a:t>
-            </a:r>
-            <a:r>
-              <a:rPr lang="en-CA" sz="2800" dirty="0" smtClean="0">
-                <a:solidFill>
-                  <a:schemeClr val="bg1"/>
-                </a:solidFill>
-                <a:latin typeface="Capsuula" pitchFamily="2" charset="0"/>
-              </a:rPr>
-              <a:t>And, be updated with Jarvis news </a:t>
+              <a:t> And, be updated with Jarvis news </a:t>
             </a:r>
             <a:endParaRPr lang="en-CA" sz="2800" dirty="0">
               <a:solidFill>
@@ -3964,135 +3935,140 @@
   <p:clrMapOvr>
     <a:masterClrMapping/>
   </p:clrMapOvr>
-  <p:transition advClick="0"/>
+  <p:transition>
+    <p:push/>
+  </p:transition>
   <p:timing>
     <p:tnLst>
       <p:par>
-        <p:cTn id="1" dur="indefinite" restart="never" nodeType="tmRoot">
-          <p:childTnLst>
-            <p:seq concurrent="1" nextAc="seek">
-              <p:cTn id="2" dur="indefinite" nodeType="mainSeq">
-                <p:childTnLst>
-                  <p:par>
-                    <p:cTn id="3" fill="hold">
-                      <p:stCondLst>
-                        <p:cond delay="indefinite"/>
-                      </p:stCondLst>
-                      <p:childTnLst>
-                        <p:par>
-                          <p:cTn id="4" fill="hold">
-                            <p:stCondLst>
-                              <p:cond delay="0"/>
-                            </p:stCondLst>
-                            <p:childTnLst>
-                              <p:par>
-                                <p:cTn id="5" presetID="2" presetClass="entr" presetSubtype="2" fill="hold" grpId="0" nodeType="clickEffect">
-                                  <p:stCondLst>
-                                    <p:cond delay="0"/>
-                                  </p:stCondLst>
-                                  <p:childTnLst>
-                                    <p:set>
-                                      <p:cBhvr>
-                                        <p:cTn id="6" dur="1" fill="hold">
-                                          <p:stCondLst>
-                                            <p:cond delay="0"/>
-                                          </p:stCondLst>
-                                        </p:cTn>
-                                        <p:tgtEl>
-                                          <p:spTgt spid="9"/>
-                                        </p:tgtEl>
-                                        <p:attrNameLst>
-                                          <p:attrName>style.visibility</p:attrName>
-                                        </p:attrNameLst>
-                                      </p:cBhvr>
-                                      <p:to>
-                                        <p:strVal val="visible"/>
-                                      </p:to>
-                                    </p:set>
-                                    <p:anim calcmode="lin" valueType="num">
-                                      <p:cBhvr additive="base">
-                                        <p:cTn id="7" dur="2000" fill="hold"/>
-                                        <p:tgtEl>
-                                          <p:spTgt spid="9"/>
-                                        </p:tgtEl>
-                                        <p:attrNameLst>
-                                          <p:attrName>ppt_x</p:attrName>
-                                        </p:attrNameLst>
-                                      </p:cBhvr>
-                                      <p:tavLst>
-                                        <p:tav tm="0">
-                                          <p:val>
-                                            <p:strVal val="1+#ppt_w/2"/>
-                                          </p:val>
-                                        </p:tav>
-                                        <p:tav tm="100000">
-                                          <p:val>
-                                            <p:strVal val="#ppt_x"/>
-                                          </p:val>
-                                        </p:tav>
-                                      </p:tavLst>
-                                    </p:anim>
-                                    <p:anim calcmode="lin" valueType="num">
-                                      <p:cBhvr additive="base">
-                                        <p:cTn id="8" dur="2000" fill="hold"/>
-                                        <p:tgtEl>
-                                          <p:spTgt spid="9"/>
-                                        </p:tgtEl>
-                                        <p:attrNameLst>
-                                          <p:attrName>ppt_y</p:attrName>
-                                        </p:attrNameLst>
-                                      </p:cBhvr>
-                                      <p:tavLst>
-                                        <p:tav tm="0">
-                                          <p:val>
-                                            <p:strVal val="#ppt_y"/>
-                                          </p:val>
-                                        </p:tav>
-                                        <p:tav tm="100000">
-                                          <p:val>
-                                            <p:strVal val="#ppt_y"/>
-                                          </p:val>
-                                        </p:tav>
-                                      </p:tavLst>
-                                    </p:anim>
-                                  </p:childTnLst>
-                                </p:cTn>
-                              </p:par>
-                            </p:childTnLst>
-                          </p:cTn>
-                        </p:par>
-                      </p:childTnLst>
-                    </p:cTn>
-                  </p:par>
-                </p:childTnLst>
-              </p:cTn>
-              <p:prevCondLst>
-                <p:cond evt="onPrev" delay="0">
-                  <p:tgtEl>
-                    <p:sldTgt/>
-                  </p:tgtEl>
-                </p:cond>
-              </p:prevCondLst>
-              <p:nextCondLst>
-                <p:cond evt="onNext" delay="0">
-                  <p:tgtEl>
-                    <p:sldTgt/>
-                  </p:tgtEl>
-                </p:cond>
-              </p:nextCondLst>
-            </p:seq>
-          </p:childTnLst>
-        </p:cTn>
+        <p:cTn id="1" dur="indefinite" restart="never" nodeType="tmRoot"/>
       </p:par>
     </p:tnLst>
-    <p:bldLst>
-      <p:bldP spid="9" grpId="0"/>
-    </p:bldLst>
+  </p:timing>
+</p:sld>
+</file>
+
+<file path=ppt/slides/slide4.xml><?xml version="1.0" encoding="utf-8"?>
+<p:sld xmlns:a="http://schemas.openxmlformats.org/drawingml/2006/main" xmlns:r="http://schemas.openxmlformats.org/officeDocument/2006/relationships" xmlns:p="http://schemas.openxmlformats.org/presentationml/2006/main">
+  <p:cSld>
+    <p:bg>
+      <p:bgPr>
+        <a:blipFill dpi="0" rotWithShape="1">
+          <a:blip r:embed="rId2" cstate="print">
+            <a:lum/>
+          </a:blip>
+          <a:srcRect/>
+          <a:stretch>
+            <a:fillRect l="-2000" r="-2000"/>
+          </a:stretch>
+        </a:blipFill>
+        <a:effectLst/>
+      </p:bgPr>
+    </p:bg>
+    <p:spTree>
+      <p:nvGrpSpPr>
+        <p:cNvPr id="1" name=""/>
+        <p:cNvGrpSpPr/>
+        <p:nvPr/>
+      </p:nvGrpSpPr>
+      <p:grpSpPr>
+        <a:xfrm>
+          <a:off x="0" y="0"/>
+          <a:ext cx="0" cy="0"/>
+          <a:chOff x="0" y="0"/>
+          <a:chExt cx="0" cy="0"/>
+        </a:xfrm>
+      </p:grpSpPr>
+      <p:pic>
+        <p:nvPicPr>
+          <p:cNvPr id="4" name="Picture 3" descr="primaryBackground.png"/>
+          <p:cNvPicPr>
+            <a:picLocks noChangeAspect="1"/>
+          </p:cNvPicPr>
+          <p:nvPr/>
+        </p:nvPicPr>
+        <p:blipFill>
+          <a:blip r:embed="rId3" cstate="print"/>
+          <a:stretch>
+            <a:fillRect/>
+          </a:stretch>
+        </p:blipFill>
+        <p:spPr>
+          <a:xfrm>
+            <a:off x="0" y="0"/>
+            <a:ext cx="9144000" cy="1524000"/>
+          </a:xfrm>
+          <a:prstGeom prst="rect">
+            <a:avLst/>
+          </a:prstGeom>
+        </p:spPr>
+      </p:pic>
+      <p:sp>
+        <p:nvSpPr>
+          <p:cNvPr id="2" name="Title 1"/>
+          <p:cNvSpPr>
+            <a:spLocks noGrp="1"/>
+          </p:cNvSpPr>
+          <p:nvPr>
+            <p:ph type="ctrTitle"/>
+          </p:nvPr>
+        </p:nvSpPr>
+        <p:spPr>
+          <a:xfrm>
+            <a:off x="152400" y="1"/>
+            <a:ext cx="8991600" cy="1523999"/>
+          </a:xfrm>
+        </p:spPr>
+        <p:txBody>
+          <a:bodyPr>
+            <a:normAutofit/>
+          </a:bodyPr>
+          <a:lstStyle/>
+          <a:p>
+            <a:pPr algn="l"/>
+            <a:r>
+              <a:rPr lang="en-CA" sz="8000" dirty="0" smtClean="0">
+                <a:solidFill>
+                  <a:schemeClr val="bg1"/>
+                </a:solidFill>
+                <a:latin typeface="Capsuula" pitchFamily="2" charset="0"/>
+              </a:rPr>
+              <a:t>Downloading on Android</a:t>
+            </a:r>
+            <a:endParaRPr lang="en-CA" sz="8000" dirty="0">
+              <a:solidFill>
+                <a:schemeClr val="bg1"/>
+              </a:solidFill>
+              <a:latin typeface="Capsuula" pitchFamily="2" charset="0"/>
+            </a:endParaRPr>
+          </a:p>
+        </p:txBody>
+      </p:sp>
+    </p:spTree>
+  </p:cSld>
+  <p:clrMapOvr>
+    <a:masterClrMapping/>
+  </p:clrMapOvr>
+  <p:transition>
+    <p:push/>
+  </p:transition>
+  <p:timing>
+    <p:tnLst>
+      <p:par>
+        <p:cTn id="1" dur="indefinite" restart="never" nodeType="tmRoot"/>
+      </p:par>
+    </p:tnLst>
   </p:timing>
 </p:sld>
 </file>
 
 <file path=ppt/tags/tag1.xml><?xml version="1.0" encoding="utf-8"?>
+<p:tagLst xmlns:a="http://schemas.openxmlformats.org/drawingml/2006/main" xmlns:r="http://schemas.openxmlformats.org/officeDocument/2006/relationships" xmlns:p="http://schemas.openxmlformats.org/presentationml/2006/main">
+  <p:tag name="TIMING" val="|1.5"/>
+</p:tagLst>
+</file>
+
+<file path=ppt/tags/tag2.xml><?xml version="1.0" encoding="utf-8"?>
 <p:tagLst xmlns:a="http://schemas.openxmlformats.org/drawingml/2006/main" xmlns:r="http://schemas.openxmlformats.org/officeDocument/2006/relationships" xmlns:p="http://schemas.openxmlformats.org/presentationml/2006/main">
   <p:tag name="TIMING" val="|1.5"/>
 </p:tagLst>
